--- a/my self.pptx
+++ b/my self.pptx
@@ -841,7 +841,7 @@
             <a:fld id="{B61BEF0D-F0BB-DE4B-95CE-6DB70DBA9567}" type="datetimeFigureOut">
               <a:rPr lang="en-US" dirty="0"/>
               <a:pPr/>
-              <a:t>9/27/2025</a:t>
+              <a:t>9/28/2025</a:t>
             </a:fld>
             <a:endParaRPr lang="en-US" dirty="0"/>
           </a:p>
@@ -1097,7 +1097,7 @@
             <a:fld id="{B61BEF0D-F0BB-DE4B-95CE-6DB70DBA9567}" type="datetimeFigureOut">
               <a:rPr lang="en-US" dirty="0"/>
               <a:pPr/>
-              <a:t>9/27/2025</a:t>
+              <a:t>9/28/2025</a:t>
             </a:fld>
             <a:endParaRPr lang="en-US" dirty="0"/>
           </a:p>
@@ -1416,7 +1416,7 @@
             <a:fld id="{B61BEF0D-F0BB-DE4B-95CE-6DB70DBA9567}" type="datetimeFigureOut">
               <a:rPr lang="en-US" dirty="0"/>
               <a:pPr/>
-              <a:t>9/27/2025</a:t>
+              <a:t>9/28/2025</a:t>
             </a:fld>
             <a:endParaRPr lang="en-US" dirty="0"/>
           </a:p>
@@ -1762,7 +1762,7 @@
             <a:fld id="{B61BEF0D-F0BB-DE4B-95CE-6DB70DBA9567}" type="datetimeFigureOut">
               <a:rPr lang="en-US" dirty="0"/>
               <a:pPr/>
-              <a:t>9/27/2025</a:t>
+              <a:t>9/28/2025</a:t>
             </a:fld>
             <a:endParaRPr lang="en-US" dirty="0"/>
           </a:p>
@@ -2081,7 +2081,7 @@
             <a:fld id="{B61BEF0D-F0BB-DE4B-95CE-6DB70DBA9567}" type="datetimeFigureOut">
               <a:rPr lang="en-US" dirty="0"/>
               <a:pPr/>
-              <a:t>9/27/2025</a:t>
+              <a:t>9/28/2025</a:t>
             </a:fld>
             <a:endParaRPr lang="en-US" dirty="0"/>
           </a:p>
@@ -2479,7 +2479,7 @@
             <a:fld id="{B61BEF0D-F0BB-DE4B-95CE-6DB70DBA9567}" type="datetimeFigureOut">
               <a:rPr lang="en-US" dirty="0"/>
               <a:pPr/>
-              <a:t>9/27/2025</a:t>
+              <a:t>9/28/2025</a:t>
             </a:fld>
             <a:endParaRPr lang="en-US" dirty="0"/>
           </a:p>
@@ -2653,7 +2653,7 @@
           <a:p>
             <a:fld id="{55C6B4A9-1611-4792-9094-5F34BCA07E0B}" type="datetimeFigureOut">
               <a:rPr lang="en-US" dirty="0"/>
-              <a:t>9/27/2025</a:t>
+              <a:t>9/28/2025</a:t>
             </a:fld>
             <a:endParaRPr lang="en-US" dirty="0"/>
           </a:p>
@@ -2837,7 +2837,7 @@
             <a:fld id="{B61BEF0D-F0BB-DE4B-95CE-6DB70DBA9567}" type="datetimeFigureOut">
               <a:rPr lang="en-US" dirty="0"/>
               <a:pPr/>
-              <a:t>9/27/2025</a:t>
+              <a:t>9/28/2025</a:t>
             </a:fld>
             <a:endParaRPr lang="en-US" dirty="0"/>
           </a:p>
@@ -3018,7 +3018,7 @@
             <a:fld id="{B61BEF0D-F0BB-DE4B-95CE-6DB70DBA9567}" type="datetimeFigureOut">
               <a:rPr lang="en-US" dirty="0"/>
               <a:pPr/>
-              <a:t>9/27/2025</a:t>
+              <a:t>9/28/2025</a:t>
             </a:fld>
             <a:endParaRPr lang="en-US" dirty="0"/>
           </a:p>
@@ -3270,7 +3270,7 @@
             <a:fld id="{B61BEF0D-F0BB-DE4B-95CE-6DB70DBA9567}" type="datetimeFigureOut">
               <a:rPr lang="en-US" dirty="0"/>
               <a:pPr/>
-              <a:t>9/27/2025</a:t>
+              <a:t>9/28/2025</a:t>
             </a:fld>
             <a:endParaRPr lang="en-US" dirty="0"/>
           </a:p>
@@ -3506,7 +3506,7 @@
           <a:p>
             <a:fld id="{EB712588-04B1-427B-82EE-E8DB90309F08}" type="datetimeFigureOut">
               <a:rPr lang="en-US" dirty="0"/>
-              <a:t>9/27/2025</a:t>
+              <a:t>9/28/2025</a:t>
             </a:fld>
             <a:endParaRPr lang="en-US" dirty="0"/>
           </a:p>
@@ -3884,7 +3884,7 @@
             <a:fld id="{B61BEF0D-F0BB-DE4B-95CE-6DB70DBA9567}" type="datetimeFigureOut">
               <a:rPr lang="en-US" dirty="0"/>
               <a:pPr/>
-              <a:t>9/27/2025</a:t>
+              <a:t>9/28/2025</a:t>
             </a:fld>
             <a:endParaRPr lang="en-US" dirty="0"/>
           </a:p>
@@ -4012,7 +4012,7 @@
             <a:fld id="{B61BEF0D-F0BB-DE4B-95CE-6DB70DBA9567}" type="datetimeFigureOut">
               <a:rPr lang="en-US" dirty="0"/>
               <a:pPr/>
-              <a:t>9/27/2025</a:t>
+              <a:t>9/28/2025</a:t>
             </a:fld>
             <a:endParaRPr lang="en-US" dirty="0"/>
           </a:p>
@@ -4112,7 +4112,7 @@
             <a:fld id="{B61BEF0D-F0BB-DE4B-95CE-6DB70DBA9567}" type="datetimeFigureOut">
               <a:rPr lang="en-US" dirty="0"/>
               <a:pPr/>
-              <a:t>9/27/2025</a:t>
+              <a:t>9/28/2025</a:t>
             </a:fld>
             <a:endParaRPr lang="en-US" dirty="0"/>
           </a:p>
@@ -4371,7 +4371,7 @@
           <a:p>
             <a:fld id="{42A54C80-263E-416B-A8E0-580EDEADCBDC}" type="datetimeFigureOut">
               <a:rPr lang="en-US" dirty="0"/>
-              <a:t>9/27/2025</a:t>
+              <a:t>9/28/2025</a:t>
             </a:fld>
             <a:endParaRPr lang="en-US" dirty="0"/>
           </a:p>
@@ -4638,7 +4638,7 @@
             <a:fld id="{B61BEF0D-F0BB-DE4B-95CE-6DB70DBA9567}" type="datetimeFigureOut">
               <a:rPr lang="en-US" dirty="0"/>
               <a:pPr/>
-              <a:t>9/27/2025</a:t>
+              <a:t>9/28/2025</a:t>
             </a:fld>
             <a:endParaRPr lang="en-US" dirty="0"/>
           </a:p>
@@ -5386,7 +5386,7 @@
             <a:fld id="{B61BEF0D-F0BB-DE4B-95CE-6DB70DBA9567}" type="datetimeFigureOut">
               <a:rPr lang="en-US" dirty="0"/>
               <a:pPr/>
-              <a:t>9/27/2025</a:t>
+              <a:t>9/28/2025</a:t>
             </a:fld>
             <a:endParaRPr lang="en-US" dirty="0"/>
           </a:p>

--- a/my self.pptx
+++ b/my self.pptx
@@ -900,9 +900,18 @@
   <p:clrMapOvr>
     <a:masterClrMapping/>
   </p:clrMapOvr>
-  <p:transition spd="slow">
-    <p:push dir="u"/>
-  </p:transition>
+  <mc:AlternateContent xmlns:mc="http://schemas.openxmlformats.org/markup-compatibility/2006" xmlns:p14="http://schemas.microsoft.com/office/powerpoint/2010/main">
+    <mc:Choice Requires="p14">
+      <p:transition spd="med" p14:dur="700">
+        <p:fade/>
+      </p:transition>
+    </mc:Choice>
+    <mc:Fallback xmlns="">
+      <p:transition spd="med">
+        <p:fade/>
+      </p:transition>
+    </mc:Fallback>
+  </mc:AlternateContent>
 </p:sldLayout>
 </file>
 
@@ -1156,9 +1165,18 @@
   <p:clrMapOvr>
     <a:masterClrMapping/>
   </p:clrMapOvr>
-  <p:transition spd="slow">
-    <p:push dir="u"/>
-  </p:transition>
+  <mc:AlternateContent xmlns:mc="http://schemas.openxmlformats.org/markup-compatibility/2006" xmlns:p14="http://schemas.microsoft.com/office/powerpoint/2010/main">
+    <mc:Choice Requires="p14">
+      <p:transition spd="med" p14:dur="700">
+        <p:fade/>
+      </p:transition>
+    </mc:Choice>
+    <mc:Fallback xmlns="">
+      <p:transition spd="med">
+        <p:fade/>
+      </p:transition>
+    </mc:Fallback>
+  </mc:AlternateContent>
 </p:sldLayout>
 </file>
 
@@ -1565,9 +1583,18 @@
   <p:clrMapOvr>
     <a:masterClrMapping/>
   </p:clrMapOvr>
-  <p:transition spd="slow">
-    <p:push dir="u"/>
-  </p:transition>
+  <mc:AlternateContent xmlns:mc="http://schemas.openxmlformats.org/markup-compatibility/2006" xmlns:p14="http://schemas.microsoft.com/office/powerpoint/2010/main">
+    <mc:Choice Requires="p14">
+      <p:transition spd="med" p14:dur="700">
+        <p:fade/>
+      </p:transition>
+    </mc:Choice>
+    <mc:Fallback xmlns="">
+      <p:transition spd="med">
+        <p:fade/>
+      </p:transition>
+    </mc:Fallback>
+  </mc:AlternateContent>
 </p:sldLayout>
 </file>
 
@@ -1821,9 +1848,18 @@
   <p:clrMapOvr>
     <a:masterClrMapping/>
   </p:clrMapOvr>
-  <p:transition spd="slow">
-    <p:push dir="u"/>
-  </p:transition>
+  <mc:AlternateContent xmlns:mc="http://schemas.openxmlformats.org/markup-compatibility/2006" xmlns:p14="http://schemas.microsoft.com/office/powerpoint/2010/main">
+    <mc:Choice Requires="p14">
+      <p:transition spd="med" p14:dur="700">
+        <p:fade/>
+      </p:transition>
+    </mc:Choice>
+    <mc:Fallback xmlns="">
+      <p:transition spd="med">
+        <p:fade/>
+      </p:transition>
+    </mc:Fallback>
+  </mc:AlternateContent>
 </p:sldLayout>
 </file>
 
@@ -2222,9 +2258,18 @@
   <p:clrMapOvr>
     <a:masterClrMapping/>
   </p:clrMapOvr>
-  <p:transition spd="slow">
-    <p:push dir="u"/>
-  </p:transition>
+  <mc:AlternateContent xmlns:mc="http://schemas.openxmlformats.org/markup-compatibility/2006" xmlns:p14="http://schemas.microsoft.com/office/powerpoint/2010/main">
+    <mc:Choice Requires="p14">
+      <p:transition spd="med" p14:dur="700">
+        <p:fade/>
+      </p:transition>
+    </mc:Choice>
+    <mc:Fallback xmlns="">
+      <p:transition spd="med">
+        <p:fade/>
+      </p:transition>
+    </mc:Fallback>
+  </mc:AlternateContent>
 </p:sldLayout>
 </file>
 
@@ -2538,9 +2583,18 @@
   <p:clrMapOvr>
     <a:masterClrMapping/>
   </p:clrMapOvr>
-  <p:transition spd="slow">
-    <p:push dir="u"/>
-  </p:transition>
+  <mc:AlternateContent xmlns:mc="http://schemas.openxmlformats.org/markup-compatibility/2006" xmlns:p14="http://schemas.microsoft.com/office/powerpoint/2010/main">
+    <mc:Choice Requires="p14">
+      <p:transition spd="med" p14:dur="700">
+        <p:fade/>
+      </p:transition>
+    </mc:Choice>
+    <mc:Fallback xmlns="">
+      <p:transition spd="med">
+        <p:fade/>
+      </p:transition>
+    </mc:Fallback>
+  </mc:AlternateContent>
 </p:sldLayout>
 </file>
 
@@ -2711,9 +2765,18 @@
   <p:clrMapOvr>
     <a:masterClrMapping/>
   </p:clrMapOvr>
-  <p:transition spd="slow">
-    <p:push dir="u"/>
-  </p:transition>
+  <mc:AlternateContent xmlns:mc="http://schemas.openxmlformats.org/markup-compatibility/2006" xmlns:p14="http://schemas.microsoft.com/office/powerpoint/2010/main">
+    <mc:Choice Requires="p14">
+      <p:transition spd="med" p14:dur="700">
+        <p:fade/>
+      </p:transition>
+    </mc:Choice>
+    <mc:Fallback xmlns="">
+      <p:transition spd="med">
+        <p:fade/>
+      </p:transition>
+    </mc:Fallback>
+  </mc:AlternateContent>
 </p:sldLayout>
 </file>
 
@@ -2896,9 +2959,18 @@
   <p:clrMapOvr>
     <a:masterClrMapping/>
   </p:clrMapOvr>
-  <p:transition spd="slow">
-    <p:push dir="u"/>
-  </p:transition>
+  <mc:AlternateContent xmlns:mc="http://schemas.openxmlformats.org/markup-compatibility/2006" xmlns:p14="http://schemas.microsoft.com/office/powerpoint/2010/main">
+    <mc:Choice Requires="p14">
+      <p:transition spd="med" p14:dur="700">
+        <p:fade/>
+      </p:transition>
+    </mc:Choice>
+    <mc:Fallback xmlns="">
+      <p:transition spd="med">
+        <p:fade/>
+      </p:transition>
+    </mc:Fallback>
+  </mc:AlternateContent>
 </p:sldLayout>
 </file>
 
@@ -3077,9 +3149,18 @@
   <p:clrMapOvr>
     <a:masterClrMapping/>
   </p:clrMapOvr>
-  <p:transition spd="slow">
-    <p:push dir="u"/>
-  </p:transition>
+  <mc:AlternateContent xmlns:mc="http://schemas.openxmlformats.org/markup-compatibility/2006" xmlns:p14="http://schemas.microsoft.com/office/powerpoint/2010/main">
+    <mc:Choice Requires="p14">
+      <p:transition spd="med" p14:dur="700">
+        <p:fade/>
+      </p:transition>
+    </mc:Choice>
+    <mc:Fallback xmlns="">
+      <p:transition spd="med">
+        <p:fade/>
+      </p:transition>
+    </mc:Fallback>
+  </mc:AlternateContent>
 </p:sldLayout>
 </file>
 
@@ -3329,9 +3410,18 @@
   <p:clrMapOvr>
     <a:masterClrMapping/>
   </p:clrMapOvr>
-  <p:transition spd="slow">
-    <p:push dir="u"/>
-  </p:transition>
+  <mc:AlternateContent xmlns:mc="http://schemas.openxmlformats.org/markup-compatibility/2006" xmlns:p14="http://schemas.microsoft.com/office/powerpoint/2010/main">
+    <mc:Choice Requires="p14">
+      <p:transition spd="med" p14:dur="700">
+        <p:fade/>
+      </p:transition>
+    </mc:Choice>
+    <mc:Fallback xmlns="">
+      <p:transition spd="med">
+        <p:fade/>
+      </p:transition>
+    </mc:Fallback>
+  </mc:AlternateContent>
 </p:sldLayout>
 </file>
 
@@ -3564,9 +3654,18 @@
   <p:clrMapOvr>
     <a:masterClrMapping/>
   </p:clrMapOvr>
-  <p:transition spd="slow">
-    <p:push dir="u"/>
-  </p:transition>
+  <mc:AlternateContent xmlns:mc="http://schemas.openxmlformats.org/markup-compatibility/2006" xmlns:p14="http://schemas.microsoft.com/office/powerpoint/2010/main">
+    <mc:Choice Requires="p14">
+      <p:transition spd="med" p14:dur="700">
+        <p:fade/>
+      </p:transition>
+    </mc:Choice>
+    <mc:Fallback xmlns="">
+      <p:transition spd="med">
+        <p:fade/>
+      </p:transition>
+    </mc:Fallback>
+  </mc:AlternateContent>
 </p:sldLayout>
 </file>
 
@@ -3943,9 +4042,18 @@
   <p:clrMapOvr>
     <a:masterClrMapping/>
   </p:clrMapOvr>
-  <p:transition spd="slow">
-    <p:push dir="u"/>
-  </p:transition>
+  <mc:AlternateContent xmlns:mc="http://schemas.openxmlformats.org/markup-compatibility/2006" xmlns:p14="http://schemas.microsoft.com/office/powerpoint/2010/main">
+    <mc:Choice Requires="p14">
+      <p:transition spd="med" p14:dur="700">
+        <p:fade/>
+      </p:transition>
+    </mc:Choice>
+    <mc:Fallback xmlns="">
+      <p:transition spd="med">
+        <p:fade/>
+      </p:transition>
+    </mc:Fallback>
+  </mc:AlternateContent>
 </p:sldLayout>
 </file>
 
@@ -4071,9 +4179,18 @@
   <p:clrMapOvr>
     <a:masterClrMapping/>
   </p:clrMapOvr>
-  <p:transition spd="slow">
-    <p:push dir="u"/>
-  </p:transition>
+  <mc:AlternateContent xmlns:mc="http://schemas.openxmlformats.org/markup-compatibility/2006" xmlns:p14="http://schemas.microsoft.com/office/powerpoint/2010/main">
+    <mc:Choice Requires="p14">
+      <p:transition spd="med" p14:dur="700">
+        <p:fade/>
+      </p:transition>
+    </mc:Choice>
+    <mc:Fallback xmlns="">
+      <p:transition spd="med">
+        <p:fade/>
+      </p:transition>
+    </mc:Fallback>
+  </mc:AlternateContent>
 </p:sldLayout>
 </file>
 
@@ -4171,9 +4288,18 @@
   <p:clrMapOvr>
     <a:masterClrMapping/>
   </p:clrMapOvr>
-  <p:transition spd="slow">
-    <p:push dir="u"/>
-  </p:transition>
+  <mc:AlternateContent xmlns:mc="http://schemas.openxmlformats.org/markup-compatibility/2006" xmlns:p14="http://schemas.microsoft.com/office/powerpoint/2010/main">
+    <mc:Choice Requires="p14">
+      <p:transition spd="med" p14:dur="700">
+        <p:fade/>
+      </p:transition>
+    </mc:Choice>
+    <mc:Fallback xmlns="">
+      <p:transition spd="med">
+        <p:fade/>
+      </p:transition>
+    </mc:Fallback>
+  </mc:AlternateContent>
 </p:sldLayout>
 </file>
 
@@ -4429,9 +4555,18 @@
   <p:clrMapOvr>
     <a:masterClrMapping/>
   </p:clrMapOvr>
-  <p:transition spd="slow">
-    <p:push dir="u"/>
-  </p:transition>
+  <mc:AlternateContent xmlns:mc="http://schemas.openxmlformats.org/markup-compatibility/2006" xmlns:p14="http://schemas.microsoft.com/office/powerpoint/2010/main">
+    <mc:Choice Requires="p14">
+      <p:transition spd="med" p14:dur="700">
+        <p:fade/>
+      </p:transition>
+    </mc:Choice>
+    <mc:Fallback xmlns="">
+      <p:transition spd="med">
+        <p:fade/>
+      </p:transition>
+    </mc:Fallback>
+  </mc:AlternateContent>
 </p:sldLayout>
 </file>
 
@@ -4697,9 +4832,18 @@
   <p:clrMapOvr>
     <a:masterClrMapping/>
   </p:clrMapOvr>
-  <p:transition spd="slow">
-    <p:push dir="u"/>
-  </p:transition>
+  <mc:AlternateContent xmlns:mc="http://schemas.openxmlformats.org/markup-compatibility/2006" xmlns:p14="http://schemas.microsoft.com/office/powerpoint/2010/main">
+    <mc:Choice Requires="p14">
+      <p:transition spd="med" p14:dur="700">
+        <p:fade/>
+      </p:transition>
+    </mc:Choice>
+    <mc:Fallback xmlns="">
+      <p:transition spd="med">
+        <p:fade/>
+      </p:transition>
+    </mc:Fallback>
+  </mc:AlternateContent>
 </p:sldLayout>
 </file>
 
@@ -5495,9 +5639,18 @@
     <p:sldLayoutId id="2147483824" r:id="rId15"/>
     <p:sldLayoutId id="2147483825" r:id="rId16"/>
   </p:sldLayoutIdLst>
-  <p:transition spd="slow">
-    <p:push dir="u"/>
-  </p:transition>
+  <mc:AlternateContent xmlns:mc="http://schemas.openxmlformats.org/markup-compatibility/2006" xmlns:p14="http://schemas.microsoft.com/office/powerpoint/2010/main">
+    <mc:Choice Requires="p14">
+      <p:transition spd="med" p14:dur="700">
+        <p:fade/>
+      </p:transition>
+    </mc:Choice>
+    <mc:Fallback xmlns="">
+      <p:transition spd="med">
+        <p:fade/>
+      </p:transition>
+    </mc:Fallback>
+  </mc:AlternateContent>
   <p:txStyles>
     <p:titleStyle>
       <a:lvl1pPr algn="l" defTabSz="457200" rtl="0" eaLnBrk="1" latinLnBrk="0" hangingPunct="1">
@@ -6066,9 +6219,18 @@
   <p:clrMapOvr>
     <a:overrideClrMapping bg1="dk1" tx1="lt1" bg2="dk2" tx2="lt2" accent1="accent1" accent2="accent2" accent3="accent3" accent4="accent4" accent5="accent5" accent6="accent6" hlink="hlink" folHlink="folHlink"/>
   </p:clrMapOvr>
-  <p:transition spd="slow">
-    <p:push dir="u"/>
-  </p:transition>
+  <mc:AlternateContent xmlns:mc="http://schemas.openxmlformats.org/markup-compatibility/2006" xmlns:p14="http://schemas.microsoft.com/office/powerpoint/2010/main">
+    <mc:Choice Requires="p14">
+      <p:transition spd="med" p14:dur="700">
+        <p:fade/>
+      </p:transition>
+    </mc:Choice>
+    <mc:Fallback xmlns="">
+      <p:transition spd="med">
+        <p:fade/>
+      </p:transition>
+    </mc:Fallback>
+  </mc:AlternateContent>
 </p:sld>
 </file>
 
@@ -6195,9 +6357,18 @@
   <p:clrMapOvr>
     <a:masterClrMapping/>
   </p:clrMapOvr>
-  <p:transition spd="slow">
-    <p:push dir="u"/>
-  </p:transition>
+  <mc:AlternateContent xmlns:mc="http://schemas.openxmlformats.org/markup-compatibility/2006" xmlns:p14="http://schemas.microsoft.com/office/powerpoint/2010/main">
+    <mc:Choice Requires="p14">
+      <p:transition spd="med" p14:dur="700">
+        <p:fade/>
+      </p:transition>
+    </mc:Choice>
+    <mc:Fallback xmlns="">
+      <p:transition spd="med">
+        <p:fade/>
+      </p:transition>
+    </mc:Fallback>
+  </mc:AlternateContent>
 </p:sld>
 </file>
 
@@ -6478,9 +6649,18 @@
   <p:clrMapOvr>
     <a:masterClrMapping/>
   </p:clrMapOvr>
-  <p:transition spd="slow">
-    <p:push dir="u"/>
-  </p:transition>
+  <mc:AlternateContent xmlns:mc="http://schemas.openxmlformats.org/markup-compatibility/2006" xmlns:p14="http://schemas.microsoft.com/office/powerpoint/2010/main">
+    <mc:Choice Requires="p14">
+      <p:transition spd="med" p14:dur="700">
+        <p:fade/>
+      </p:transition>
+    </mc:Choice>
+    <mc:Fallback xmlns="">
+      <p:transition spd="med">
+        <p:fade/>
+      </p:transition>
+    </mc:Fallback>
+  </mc:AlternateContent>
 </p:sld>
 </file>
 
@@ -6678,9 +6858,18 @@
   <p:clrMapOvr>
     <a:masterClrMapping/>
   </p:clrMapOvr>
-  <p:transition spd="slow">
-    <p:push dir="u"/>
-  </p:transition>
+  <mc:AlternateContent xmlns:mc="http://schemas.openxmlformats.org/markup-compatibility/2006" xmlns:p14="http://schemas.microsoft.com/office/powerpoint/2010/main">
+    <mc:Choice Requires="p14">
+      <p:transition spd="med" p14:dur="700">
+        <p:fade/>
+      </p:transition>
+    </mc:Choice>
+    <mc:Fallback xmlns="">
+      <p:transition spd="med">
+        <p:fade/>
+      </p:transition>
+    </mc:Fallback>
+  </mc:AlternateContent>
 </p:sld>
 </file>
 
@@ -6955,9 +7144,18 @@
   <p:clrMapOvr>
     <a:masterClrMapping/>
   </p:clrMapOvr>
-  <p:transition spd="slow">
-    <p:push dir="u"/>
-  </p:transition>
+  <mc:AlternateContent xmlns:mc="http://schemas.openxmlformats.org/markup-compatibility/2006" xmlns:p14="http://schemas.microsoft.com/office/powerpoint/2010/main">
+    <mc:Choice Requires="p14">
+      <p:transition spd="med" p14:dur="700">
+        <p:fade/>
+      </p:transition>
+    </mc:Choice>
+    <mc:Fallback xmlns="">
+      <p:transition spd="med">
+        <p:fade/>
+      </p:transition>
+    </mc:Fallback>
+  </mc:AlternateContent>
 </p:sld>
 </file>
 
@@ -7141,9 +7339,18 @@
   <p:clrMapOvr>
     <a:masterClrMapping/>
   </p:clrMapOvr>
-  <p:transition spd="slow">
-    <p:push dir="u"/>
-  </p:transition>
+  <mc:AlternateContent xmlns:mc="http://schemas.openxmlformats.org/markup-compatibility/2006" xmlns:p14="http://schemas.microsoft.com/office/powerpoint/2010/main">
+    <mc:Choice Requires="p14">
+      <p:transition spd="med" p14:dur="700">
+        <p:fade/>
+      </p:transition>
+    </mc:Choice>
+    <mc:Fallback xmlns="">
+      <p:transition spd="med">
+        <p:fade/>
+      </p:transition>
+    </mc:Fallback>
+  </mc:AlternateContent>
 </p:sld>
 </file>
 
@@ -7284,9 +7491,18 @@
   <p:clrMapOvr>
     <a:masterClrMapping/>
   </p:clrMapOvr>
-  <p:transition spd="slow">
-    <p:push dir="u"/>
-  </p:transition>
+  <mc:AlternateContent xmlns:mc="http://schemas.openxmlformats.org/markup-compatibility/2006" xmlns:p14="http://schemas.microsoft.com/office/powerpoint/2010/main">
+    <mc:Choice Requires="p14">
+      <p:transition spd="med" p14:dur="700">
+        <p:fade/>
+      </p:transition>
+    </mc:Choice>
+    <mc:Fallback xmlns="">
+      <p:transition spd="med">
+        <p:fade/>
+      </p:transition>
+    </mc:Fallback>
+  </mc:AlternateContent>
 </p:sld>
 </file>
 
